--- a/Matches/Action Pistol - ISA - April 2021/North Pistol, A - You Can’t Swing Like Me.pptx
+++ b/Matches/Action Pistol - ISA - April 2021/North Pistol, A - You Can’t Swing Like Me.pptx
@@ -335,7 +335,7 @@
               <a:pPr>
                 <a:defRPr/>
               </a:pPr>
-              <a:t>02.04.2021</a:t>
+              <a:t>04.04.2021</a:t>
             </a:fld>
             <a:endParaRPr lang="en-US"/>
           </a:p>
@@ -4232,7 +4232,7 @@
           <p:nvPr>
             <p:extLst>
               <p:ext uri="{D42A27DB-BD31-4B8C-83A1-F6EECF244321}">
-                <p14:modId xmlns:p14="http://schemas.microsoft.com/office/powerpoint/2010/main" val="401435454"/>
+                <p14:modId xmlns:p14="http://schemas.microsoft.com/office/powerpoint/2010/main" val="2786824805"/>
               </p:ext>
             </p:extLst>
           </p:nvPr>
@@ -4995,6 +4995,159 @@
                           <a:cs typeface="Times New Roman" pitchFamily="-112" charset="0"/>
                         </a:rPr>
                         <a:t> Swinger, which is visible at rest.</a:t>
+                      </a:r>
+                    </a:p>
+                    <a:p>
+                      <a:pPr marL="0" marR="0" lvl="0" indent="0" algn="l" defTabSz="966788" rtl="0" eaLnBrk="1" fontAlgn="base" latinLnBrk="0" hangingPunct="1">
+                        <a:lnSpc>
+                          <a:spcPct val="100000"/>
+                        </a:lnSpc>
+                        <a:spcBef>
+                          <a:spcPct val="20000"/>
+                        </a:spcBef>
+                        <a:spcAft>
+                          <a:spcPct val="0"/>
+                        </a:spcAft>
+                        <a:buClrTx/>
+                        <a:buSzTx/>
+                        <a:buFontTx/>
+                        <a:buNone/>
+                        <a:tabLst/>
+                      </a:pPr>
+                      <a:endParaRPr kumimoji="0" lang="en-US" sz="1100" b="0" i="0" u="none" strike="noStrike" cap="none" normalizeH="0" baseline="0" dirty="0">
+                        <a:ln>
+                          <a:noFill/>
+                        </a:ln>
+                        <a:solidFill>
+                          <a:schemeClr val="tx1"/>
+                        </a:solidFill>
+                        <a:effectLst/>
+                        <a:latin typeface="Arial" charset="0"/>
+                        <a:ea typeface="ＭＳ Ｐゴシック" pitchFamily="-112" charset="-128"/>
+                        <a:cs typeface="Times New Roman" pitchFamily="-112" charset="0"/>
+                      </a:endParaRPr>
+                    </a:p>
+                    <a:p>
+                      <a:pPr marL="0" marR="0" lvl="0" indent="0" algn="l" defTabSz="966788" rtl="0" eaLnBrk="1" fontAlgn="base" latinLnBrk="0" hangingPunct="1">
+                        <a:lnSpc>
+                          <a:spcPct val="100000"/>
+                        </a:lnSpc>
+                        <a:spcBef>
+                          <a:spcPct val="20000"/>
+                        </a:spcBef>
+                        <a:spcAft>
+                          <a:spcPct val="0"/>
+                        </a:spcAft>
+                        <a:buClrTx/>
+                        <a:buSzTx/>
+                        <a:buFontTx/>
+                        <a:buNone/>
+                        <a:tabLst/>
+                      </a:pPr>
+                      <a:r>
+                        <a:rPr kumimoji="0" lang="en-US" sz="1100" b="0" i="0" u="none" strike="noStrike" cap="none" normalizeH="0" baseline="0" dirty="0">
+                          <a:ln>
+                            <a:noFill/>
+                          </a:ln>
+                          <a:solidFill>
+                            <a:schemeClr val="tx1"/>
+                          </a:solidFill>
+                          <a:effectLst/>
+                          <a:latin typeface="Arial" charset="0"/>
+                          <a:ea typeface="ＭＳ Ｐゴシック" pitchFamily="-112" charset="-128"/>
+                          <a:cs typeface="Times New Roman" pitchFamily="-112" charset="0"/>
+                        </a:rPr>
+                        <a:t>Wall A does not extend to the ground. T2&amp;T3 are only available underneath </a:t>
+                      </a:r>
+                      <a:r>
+                        <a:rPr kumimoji="0" lang="en-US" sz="1100" b="0" i="0" u="none" strike="noStrike" cap="none" normalizeH="0" baseline="0">
+                          <a:ln>
+                            <a:noFill/>
+                          </a:ln>
+                          <a:solidFill>
+                            <a:schemeClr val="tx1"/>
+                          </a:solidFill>
+                          <a:effectLst/>
+                          <a:latin typeface="Arial" charset="0"/>
+                          <a:ea typeface="ＭＳ Ｐゴシック" pitchFamily="-112" charset="-128"/>
+                          <a:cs typeface="Times New Roman" pitchFamily="-112" charset="0"/>
+                        </a:rPr>
+                        <a:t>Wall A.</a:t>
+                      </a:r>
+                      <a:endParaRPr kumimoji="0" lang="en-US" sz="1100" b="0" i="0" u="none" strike="noStrike" cap="none" normalizeH="0" baseline="0" dirty="0">
+                        <a:ln>
+                          <a:noFill/>
+                        </a:ln>
+                        <a:solidFill>
+                          <a:schemeClr val="tx1"/>
+                        </a:solidFill>
+                        <a:effectLst/>
+                        <a:latin typeface="Arial" charset="0"/>
+                        <a:ea typeface="ＭＳ Ｐゴシック" pitchFamily="-112" charset="-128"/>
+                        <a:cs typeface="Times New Roman" pitchFamily="-112" charset="0"/>
+                      </a:endParaRPr>
+                    </a:p>
+                    <a:p>
+                      <a:pPr marL="0" marR="0" lvl="0" indent="0" algn="l" defTabSz="966788" rtl="0" eaLnBrk="1" fontAlgn="base" latinLnBrk="0" hangingPunct="1">
+                        <a:lnSpc>
+                          <a:spcPct val="100000"/>
+                        </a:lnSpc>
+                        <a:spcBef>
+                          <a:spcPct val="20000"/>
+                        </a:spcBef>
+                        <a:spcAft>
+                          <a:spcPct val="0"/>
+                        </a:spcAft>
+                        <a:buClrTx/>
+                        <a:buSzTx/>
+                        <a:buFontTx/>
+                        <a:buNone/>
+                        <a:tabLst/>
+                      </a:pPr>
+                      <a:endParaRPr kumimoji="0" lang="en-US" sz="1100" b="0" i="0" u="none" strike="noStrike" cap="none" normalizeH="0" baseline="0" dirty="0">
+                        <a:ln>
+                          <a:noFill/>
+                        </a:ln>
+                        <a:solidFill>
+                          <a:schemeClr val="tx1"/>
+                        </a:solidFill>
+                        <a:effectLst/>
+                        <a:latin typeface="Arial" charset="0"/>
+                        <a:ea typeface="ＭＳ Ｐゴシック" pitchFamily="-112" charset="-128"/>
+                        <a:cs typeface="Times New Roman" pitchFamily="-112" charset="0"/>
+                      </a:endParaRPr>
+                    </a:p>
+                    <a:p>
+                      <a:pPr marL="0" marR="0" lvl="0" indent="0" algn="l" defTabSz="966788" rtl="0" eaLnBrk="1" fontAlgn="base" latinLnBrk="0" hangingPunct="1">
+                        <a:lnSpc>
+                          <a:spcPct val="100000"/>
+                        </a:lnSpc>
+                        <a:spcBef>
+                          <a:spcPct val="20000"/>
+                        </a:spcBef>
+                        <a:spcAft>
+                          <a:spcPct val="0"/>
+                        </a:spcAft>
+                        <a:buClrTx/>
+                        <a:buSzTx/>
+                        <a:buFontTx/>
+                        <a:buNone/>
+                        <a:tabLst/>
+                      </a:pPr>
+                      <a:r>
+                        <a:rPr kumimoji="0" lang="en-US" sz="1100" b="0" i="0" u="none" strike="noStrike" cap="none" normalizeH="0" baseline="0" dirty="0">
+                          <a:ln>
+                            <a:noFill/>
+                          </a:ln>
+                          <a:solidFill>
+                            <a:schemeClr val="tx1"/>
+                          </a:solidFill>
+                          <a:effectLst/>
+                          <a:latin typeface="Arial" charset="0"/>
+                          <a:ea typeface="ＭＳ Ｐゴシック" pitchFamily="-112" charset="-128"/>
+                          <a:cs typeface="Times New Roman" pitchFamily="-112" charset="0"/>
+                        </a:rPr>
+                        <a:t>Reload required between first &amp; last shot</a:t>
                       </a:r>
                     </a:p>
                   </a:txBody>
@@ -12040,7 +12193,10 @@
           <a:bodyPr wrap="none" anchor="ctr"/>
           <a:lstStyle/>
           <a:p>
-            <a:endParaRPr lang="en-US"/>
+            <a:r>
+              <a:rPr lang="en-US" dirty="0"/>
+              <a:t> A</a:t>
+            </a:r>
           </a:p>
         </p:txBody>
       </p:sp>
